--- a/documents/架構圖.pptx
+++ b/documents/架構圖.pptx
@@ -104,6 +104,22 @@
       </a:defRPr>
     </a:lvl9pPr>
   </p:defaultTextStyle>
+  <p:extLst>
+    <p:ext uri="{EFAFB233-063F-42B5-8137-9DF3F51BA10A}">
+      <p15:sldGuideLst xmlns:p15="http://schemas.microsoft.com/office/powerpoint/2012/main">
+        <p15:guide id="1" orient="horz" pos="2160">
+          <p15:clr>
+            <a:srgbClr val="A4A3A4"/>
+          </p15:clr>
+        </p15:guide>
+        <p15:guide id="2" pos="2880">
+          <p15:clr>
+            <a:srgbClr val="A4A3A4"/>
+          </p15:clr>
+        </p15:guide>
+      </p15:sldGuideLst>
+    </p:ext>
+  </p:extLst>
 </p:presentation>
 </file>
 
@@ -4547,10 +4563,10 @@
           <a:p>
             <a:pPr algn="ctr"/>
             <a:r>
-              <a:rPr lang="en-US" altLang="zh-TW" err="1" smtClean="0"/>
-              <a:t>onEvents</a:t>
-            </a:r>
-            <a:endParaRPr lang="zh-TW" altLang="en-US"/>
+              <a:rPr lang="en-US" altLang="zh-TW" dirty="0" smtClean="0"/>
+              <a:t>Event listener</a:t>
+            </a:r>
+            <a:endParaRPr lang="zh-TW" altLang="en-US" dirty="0"/>
           </a:p>
         </p:txBody>
       </p:sp>
@@ -4821,10 +4837,10 @@
           <a:p>
             <a:pPr algn="ctr"/>
             <a:r>
-              <a:rPr lang="en-US" altLang="zh-TW" smtClean="0"/>
-              <a:t>Event Trigger</a:t>
-            </a:r>
-            <a:endParaRPr lang="zh-TW" altLang="en-US"/>
+              <a:rPr lang="en-US" altLang="zh-TW" dirty="0" smtClean="0"/>
+              <a:t>Event Center</a:t>
+            </a:r>
+            <a:endParaRPr lang="zh-TW" altLang="en-US" dirty="0"/>
           </a:p>
         </p:txBody>
       </p:sp>
@@ -4976,15 +4992,7 @@
                   <a:srgbClr val="002060"/>
                 </a:solidFill>
               </a:rPr>
-              <a:t>c</a:t>
-            </a:r>
-            <a:r>
-              <a:rPr lang="en-US" altLang="zh-TW" err="1" smtClean="0">
-                <a:solidFill>
-                  <a:srgbClr val="002060"/>
-                </a:solidFill>
-              </a:rPr>
-              <a:t>Key</a:t>
+              <a:t>cKey</a:t>
             </a:r>
             <a:endParaRPr lang="zh-TW" altLang="en-US">
               <a:solidFill>
@@ -5087,11 +5095,7 @@
           <a:p>
             <a:r>
               <a:rPr lang="en-US" altLang="zh-TW" err="1" smtClean="0"/>
-              <a:t>c</a:t>
-            </a:r>
-            <a:r>
-              <a:rPr lang="en-US" altLang="zh-TW" err="1" smtClean="0"/>
-              <a:t>Key</a:t>
+              <a:t>cKey</a:t>
             </a:r>
             <a:endParaRPr lang="zh-TW" altLang="en-US"/>
           </a:p>
@@ -5130,41 +5134,6 @@
           </a:p>
         </p:txBody>
       </p:sp>
-      <p:cxnSp>
-        <p:nvCxnSpPr>
-          <p:cNvPr id="163" name="直線單箭頭接點 162"/>
-          <p:cNvCxnSpPr>
-            <a:stCxn id="95" idx="1"/>
-          </p:cNvCxnSpPr>
-          <p:nvPr/>
-        </p:nvCxnSpPr>
-        <p:spPr>
-          <a:xfrm flipH="1">
-            <a:off x="3059832" y="5517232"/>
-            <a:ext cx="1296144" cy="0"/>
-          </a:xfrm>
-          <a:prstGeom prst="straightConnector1">
-            <a:avLst/>
-          </a:prstGeom>
-          <a:ln>
-            <a:tailEnd type="arrow"/>
-          </a:ln>
-        </p:spPr>
-        <p:style>
-          <a:lnRef idx="2">
-            <a:schemeClr val="accent1"/>
-          </a:lnRef>
-          <a:fillRef idx="0">
-            <a:schemeClr val="accent1"/>
-          </a:fillRef>
-          <a:effectRef idx="1">
-            <a:schemeClr val="accent1"/>
-          </a:effectRef>
-          <a:fontRef idx="minor">
-            <a:schemeClr val="tx1"/>
-          </a:fontRef>
-        </p:style>
-      </p:cxnSp>
       <p:cxnSp>
         <p:nvCxnSpPr>
           <p:cNvPr id="165" name="直線單箭頭接點 164"/>
@@ -5194,6 +5163,72 @@
             <a:schemeClr val="accent1"/>
           </a:fillRef>
           <a:effectRef idx="2">
+            <a:schemeClr val="accent1"/>
+          </a:effectRef>
+          <a:fontRef idx="minor">
+            <a:schemeClr val="tx1"/>
+          </a:fontRef>
+        </p:style>
+      </p:cxnSp>
+      <p:cxnSp>
+        <p:nvCxnSpPr>
+          <p:cNvPr id="29" name="直線單箭頭接點 28"/>
+          <p:cNvCxnSpPr/>
+          <p:nvPr/>
+        </p:nvCxnSpPr>
+        <p:spPr>
+          <a:xfrm flipH="1">
+            <a:off x="3059832" y="5373216"/>
+            <a:ext cx="1296144" cy="0"/>
+          </a:xfrm>
+          <a:prstGeom prst="straightConnector1">
+            <a:avLst/>
+          </a:prstGeom>
+          <a:ln>
+            <a:tailEnd type="arrow"/>
+          </a:ln>
+        </p:spPr>
+        <p:style>
+          <a:lnRef idx="2">
+            <a:schemeClr val="accent1"/>
+          </a:lnRef>
+          <a:fillRef idx="0">
+            <a:schemeClr val="accent1"/>
+          </a:fillRef>
+          <a:effectRef idx="1">
+            <a:schemeClr val="accent1"/>
+          </a:effectRef>
+          <a:fontRef idx="minor">
+            <a:schemeClr val="tx1"/>
+          </a:fontRef>
+        </p:style>
+      </p:cxnSp>
+      <p:cxnSp>
+        <p:nvCxnSpPr>
+          <p:cNvPr id="13" name="直線單箭頭接點 12"/>
+          <p:cNvCxnSpPr/>
+          <p:nvPr/>
+        </p:nvCxnSpPr>
+        <p:spPr>
+          <a:xfrm>
+            <a:off x="3059832" y="5589240"/>
+            <a:ext cx="1296144" cy="0"/>
+          </a:xfrm>
+          <a:prstGeom prst="straightConnector1">
+            <a:avLst/>
+          </a:prstGeom>
+          <a:ln>
+            <a:tailEnd type="triangle"/>
+          </a:ln>
+        </p:spPr>
+        <p:style>
+          <a:lnRef idx="2">
+            <a:schemeClr val="accent1"/>
+          </a:lnRef>
+          <a:fillRef idx="0">
+            <a:schemeClr val="accent1"/>
+          </a:fillRef>
+          <a:effectRef idx="1">
             <a:schemeClr val="accent1"/>
           </a:effectRef>
           <a:fontRef idx="minor">
